--- a/docs/img/overview7.pptx
+++ b/docs/img/overview7.pptx
@@ -261,7 +261,7 @@
           <a:p>
             <a:fld id="{A54B8B89-8F99-4908-81B1-C765F0E7F6DD}" type="datetimeFigureOut">
               <a:rPr lang="en-GB" smtClean="0"/>
-              <a:t>28/05/2020</a:t>
+              <a:t>2020/06/14</a:t>
             </a:fld>
             <a:endParaRPr lang="en-GB"/>
           </a:p>
@@ -461,7 +461,7 @@
           <a:p>
             <a:fld id="{A54B8B89-8F99-4908-81B1-C765F0E7F6DD}" type="datetimeFigureOut">
               <a:rPr lang="en-GB" smtClean="0"/>
-              <a:t>28/05/2020</a:t>
+              <a:t>2020/06/14</a:t>
             </a:fld>
             <a:endParaRPr lang="en-GB"/>
           </a:p>
@@ -671,7 +671,7 @@
           <a:p>
             <a:fld id="{A54B8B89-8F99-4908-81B1-C765F0E7F6DD}" type="datetimeFigureOut">
               <a:rPr lang="en-GB" smtClean="0"/>
-              <a:t>28/05/2020</a:t>
+              <a:t>2020/06/14</a:t>
             </a:fld>
             <a:endParaRPr lang="en-GB"/>
           </a:p>
@@ -871,7 +871,7 @@
           <a:p>
             <a:fld id="{A54B8B89-8F99-4908-81B1-C765F0E7F6DD}" type="datetimeFigureOut">
               <a:rPr lang="en-GB" smtClean="0"/>
-              <a:t>28/05/2020</a:t>
+              <a:t>2020/06/14</a:t>
             </a:fld>
             <a:endParaRPr lang="en-GB"/>
           </a:p>
@@ -1147,7 +1147,7 @@
           <a:p>
             <a:fld id="{A54B8B89-8F99-4908-81B1-C765F0E7F6DD}" type="datetimeFigureOut">
               <a:rPr lang="en-GB" smtClean="0"/>
-              <a:t>28/05/2020</a:t>
+              <a:t>2020/06/14</a:t>
             </a:fld>
             <a:endParaRPr lang="en-GB"/>
           </a:p>
@@ -1415,7 +1415,7 @@
           <a:p>
             <a:fld id="{A54B8B89-8F99-4908-81B1-C765F0E7F6DD}" type="datetimeFigureOut">
               <a:rPr lang="en-GB" smtClean="0"/>
-              <a:t>28/05/2020</a:t>
+              <a:t>2020/06/14</a:t>
             </a:fld>
             <a:endParaRPr lang="en-GB"/>
           </a:p>
@@ -1830,7 +1830,7 @@
           <a:p>
             <a:fld id="{A54B8B89-8F99-4908-81B1-C765F0E7F6DD}" type="datetimeFigureOut">
               <a:rPr lang="en-GB" smtClean="0"/>
-              <a:t>28/05/2020</a:t>
+              <a:t>2020/06/14</a:t>
             </a:fld>
             <a:endParaRPr lang="en-GB"/>
           </a:p>
@@ -1972,7 +1972,7 @@
           <a:p>
             <a:fld id="{A54B8B89-8F99-4908-81B1-C765F0E7F6DD}" type="datetimeFigureOut">
               <a:rPr lang="en-GB" smtClean="0"/>
-              <a:t>28/05/2020</a:t>
+              <a:t>2020/06/14</a:t>
             </a:fld>
             <a:endParaRPr lang="en-GB"/>
           </a:p>
@@ -2085,7 +2085,7 @@
           <a:p>
             <a:fld id="{A54B8B89-8F99-4908-81B1-C765F0E7F6DD}" type="datetimeFigureOut">
               <a:rPr lang="en-GB" smtClean="0"/>
-              <a:t>28/05/2020</a:t>
+              <a:t>2020/06/14</a:t>
             </a:fld>
             <a:endParaRPr lang="en-GB"/>
           </a:p>
@@ -2398,7 +2398,7 @@
           <a:p>
             <a:fld id="{A54B8B89-8F99-4908-81B1-C765F0E7F6DD}" type="datetimeFigureOut">
               <a:rPr lang="en-GB" smtClean="0"/>
-              <a:t>28/05/2020</a:t>
+              <a:t>2020/06/14</a:t>
             </a:fld>
             <a:endParaRPr lang="en-GB"/>
           </a:p>
@@ -2687,7 +2687,7 @@
           <a:p>
             <a:fld id="{A54B8B89-8F99-4908-81B1-C765F0E7F6DD}" type="datetimeFigureOut">
               <a:rPr lang="en-GB" smtClean="0"/>
-              <a:t>28/05/2020</a:t>
+              <a:t>2020/06/14</a:t>
             </a:fld>
             <a:endParaRPr lang="en-GB"/>
           </a:p>
@@ -2930,7 +2930,7 @@
           <a:p>
             <a:fld id="{A54B8B89-8F99-4908-81B1-C765F0E7F6DD}" type="datetimeFigureOut">
               <a:rPr lang="en-GB" smtClean="0"/>
-              <a:t>28/05/2020</a:t>
+              <a:t>2020/06/14</a:t>
             </a:fld>
             <a:endParaRPr lang="en-GB"/>
           </a:p>
@@ -3398,7 +3398,15 @@
             <a:pPr algn="ctr"/>
             <a:r>
               <a:rPr lang="en-GB" i="1" dirty="0"/>
-              <a:t>./common/extension</a:t>
+              <a:t>./</a:t>
+            </a:r>
+            <a:r>
+              <a:rPr lang="en-GB" i="1" dirty="0" err="1"/>
+              <a:t>ModernDeck</a:t>
+            </a:r>
+            <a:r>
+              <a:rPr lang="en-GB" i="1" dirty="0"/>
+              <a:t>/extension</a:t>
             </a:r>
           </a:p>
         </p:txBody>
@@ -3652,13 +3660,16 @@
             <a:pPr algn="ctr"/>
             <a:r>
               <a:rPr lang="en-GB" dirty="0"/>
-              <a:t>./common/sources/</a:t>
+              <a:t>./</a:t>
             </a:r>
             <a:r>
               <a:rPr lang="en-GB" dirty="0" err="1"/>
-              <a:t>MTDinject.js</a:t>
-            </a:r>
-            <a:endParaRPr lang="en-GB" dirty="0"/>
+              <a:t>ModernDeck</a:t>
+            </a:r>
+            <a:r>
+              <a:rPr lang="en-GB" dirty="0"/>
+              <a:t>/sources/MTDinject.js</a:t>
+            </a:r>
           </a:p>
         </p:txBody>
       </p:sp>
